--- a/presentation/main.pptx
+++ b/presentation/main.pptx
@@ -11871,7 +11871,7 @@
         </p:spPr>
         <p:txBody>
           <a:bodyPr anchorCtr="0" anchor="t" bIns="91425" lIns="91425" spcFirstLastPara="1" rIns="91425" wrap="square" tIns="91425">
-            <a:normAutofit/>
+            <a:normAutofit lnSpcReduction="20000"/>
           </a:bodyPr>
           <a:lstStyle/>
           <a:p>
@@ -11922,6 +11922,23 @@
             <a:r>
               <a:rPr lang="en" sz="1800"/>
               <a:t>Solution 2: Use sparse matrices for operations, but PyTorch Autograd currently doesn’t work with sparse matrices</a:t>
+            </a:r>
+            <a:endParaRPr sz="1800"/>
+          </a:p>
+          <a:p>
+            <a:pPr indent="-342900" lvl="1" marL="914400" rtl="0" algn="l">
+              <a:spcBef>
+                <a:spcPts val="0"/>
+              </a:spcBef>
+              <a:spcAft>
+                <a:spcPts val="0"/>
+              </a:spcAft>
+              <a:buSzPts val="1800"/>
+              <a:buChar char="○"/>
+            </a:pPr>
+            <a:r>
+              <a:rPr lang="en" sz="1800"/>
+              <a:t>Solution 3: Divide the original images into different regions and run the algorithm per region, then combine the super-resolved regions</a:t>
             </a:r>
             <a:endParaRPr sz="1800"/>
           </a:p>
@@ -13835,6 +13852,285 @@
 </file>
 
 <file path=ppt/theme/theme1.xml><?xml version="1.0" encoding="utf-8"?>
+<a:theme xmlns:a="http://schemas.openxmlformats.org/drawingml/2006/main" xmlns:r="http://schemas.openxmlformats.org/officeDocument/2006/relationships" name="Geometric">
+  <a:themeElements>
+    <a:clrScheme name="Geometric">
+      <a:dk1>
+        <a:srgbClr val="2A3990"/>
+      </a:dk1>
+      <a:lt1>
+        <a:srgbClr val="FFFFFF"/>
+      </a:lt1>
+      <a:dk2>
+        <a:srgbClr val="434343"/>
+      </a:dk2>
+      <a:lt2>
+        <a:srgbClr val="999999"/>
+      </a:lt2>
+      <a:accent1>
+        <a:srgbClr val="212D74"/>
+      </a:accent1>
+      <a:accent2>
+        <a:srgbClr val="3949AB"/>
+      </a:accent2>
+      <a:accent3>
+        <a:srgbClr val="9C254D"/>
+      </a:accent3>
+      <a:accent4>
+        <a:srgbClr val="D23369"/>
+      </a:accent4>
+      <a:accent5>
+        <a:srgbClr val="F06292"/>
+      </a:accent5>
+      <a:accent6>
+        <a:srgbClr val="7890CD"/>
+      </a:accent6>
+      <a:hlink>
+        <a:srgbClr val="F06292"/>
+      </a:hlink>
+      <a:folHlink>
+        <a:srgbClr val="F06292"/>
+      </a:folHlink>
+    </a:clrScheme>
+    <a:fontScheme name="Office">
+      <a:majorFont>
+        <a:latin typeface="Arial"/>
+        <a:ea typeface=""/>
+        <a:cs typeface=""/>
+        <a:font script="Jpan" typeface="ＭＳ Ｐゴシック"/>
+        <a:font script="Hang" typeface="맑은 고딕"/>
+        <a:font script="Hans" typeface="宋体"/>
+        <a:font script="Hant" typeface="新細明體"/>
+        <a:font script="Arab" typeface="Times New Roman"/>
+        <a:font script="Hebr" typeface="Times New Roman"/>
+        <a:font script="Thai" typeface="Angsana New"/>
+        <a:font script="Ethi" typeface="Nyala"/>
+        <a:font script="Beng" typeface="Vrinda"/>
+        <a:font script="Gujr" typeface="Shruti"/>
+        <a:font script="Khmr" typeface="MoolBoran"/>
+        <a:font script="Knda" typeface="Tunga"/>
+        <a:font script="Guru" typeface="Raavi"/>
+        <a:font script="Cans" typeface="Euphemia"/>
+        <a:font script="Cher" typeface="Plantagenet Cherokee"/>
+        <a:font script="Yiii" typeface="Microsoft Yi Baiti"/>
+        <a:font script="Tibt" typeface="Microsoft Himalaya"/>
+        <a:font script="Thaa" typeface="MV Boli"/>
+        <a:font script="Deva" typeface="Mangal"/>
+        <a:font script="Telu" typeface="Gautami"/>
+        <a:font script="Taml" typeface="Latha"/>
+        <a:font script="Syrc" typeface="Estrangelo Edessa"/>
+        <a:font script="Orya" typeface="Kalinga"/>
+        <a:font script="Mlym" typeface="Kartika"/>
+        <a:font script="Laoo" typeface="DokChampa"/>
+        <a:font script="Sinh" typeface="Iskoola Pota"/>
+        <a:font script="Mong" typeface="Mongolian Baiti"/>
+        <a:font script="Viet" typeface="Times New Roman"/>
+        <a:font script="Uigh" typeface="Microsoft Uighur"/>
+        <a:font script="Geor" typeface="Sylfaen"/>
+      </a:majorFont>
+      <a:minorFont>
+        <a:latin typeface="Arial"/>
+        <a:ea typeface=""/>
+        <a:cs typeface=""/>
+        <a:font script="Jpan" typeface="ＭＳ Ｐゴシック"/>
+        <a:font script="Hang" typeface="맑은 고딕"/>
+        <a:font script="Hans" typeface="宋体"/>
+        <a:font script="Hant" typeface="新細明體"/>
+        <a:font script="Arab" typeface="Arial"/>
+        <a:font script="Hebr" typeface="Arial"/>
+        <a:font script="Thai" typeface="Cordia New"/>
+        <a:font script="Ethi" typeface="Nyala"/>
+        <a:font script="Beng" typeface="Vrinda"/>
+        <a:font script="Gujr" typeface="Shruti"/>
+        <a:font script="Khmr" typeface="DaunPenh"/>
+        <a:font script="Knda" typeface="Tunga"/>
+        <a:font script="Guru" typeface="Raavi"/>
+        <a:font script="Cans" typeface="Euphemia"/>
+        <a:font script="Cher" typeface="Plantagenet Cherokee"/>
+        <a:font script="Yiii" typeface="Microsoft Yi Baiti"/>
+        <a:font script="Tibt" typeface="Microsoft Himalaya"/>
+        <a:font script="Thaa" typeface="MV Boli"/>
+        <a:font script="Deva" typeface="Mangal"/>
+        <a:font script="Telu" typeface="Gautami"/>
+        <a:font script="Taml" typeface="Latha"/>
+        <a:font script="Syrc" typeface="Estrangelo Edessa"/>
+        <a:font script="Orya" typeface="Kalinga"/>
+        <a:font script="Mlym" typeface="Kartika"/>
+        <a:font script="Laoo" typeface="DokChampa"/>
+        <a:font script="Sinh" typeface="Iskoola Pota"/>
+        <a:font script="Mong" typeface="Mongolian Baiti"/>
+        <a:font script="Viet" typeface="Arial"/>
+        <a:font script="Uigh" typeface="Microsoft Uighur"/>
+        <a:font script="Geor" typeface="Sylfaen"/>
+      </a:minorFont>
+    </a:fontScheme>
+    <a:fmtScheme name="Office">
+      <a:fillStyleLst>
+        <a:solidFill>
+          <a:schemeClr val="phClr"/>
+        </a:solidFill>
+        <a:gradFill rotWithShape="1">
+          <a:gsLst>
+            <a:gs pos="0">
+              <a:schemeClr val="phClr">
+                <a:tint val="50000"/>
+                <a:satMod val="300000"/>
+              </a:schemeClr>
+            </a:gs>
+            <a:gs pos="35000">
+              <a:schemeClr val="phClr">
+                <a:tint val="37000"/>
+                <a:satMod val="300000"/>
+              </a:schemeClr>
+            </a:gs>
+            <a:gs pos="100000">
+              <a:schemeClr val="phClr">
+                <a:tint val="15000"/>
+                <a:satMod val="350000"/>
+              </a:schemeClr>
+            </a:gs>
+          </a:gsLst>
+          <a:lin ang="16200000" scaled="1"/>
+        </a:gradFill>
+        <a:gradFill rotWithShape="1">
+          <a:gsLst>
+            <a:gs pos="0">
+              <a:schemeClr val="phClr">
+                <a:tint val="100000"/>
+                <a:shade val="100000"/>
+                <a:satMod val="130000"/>
+              </a:schemeClr>
+            </a:gs>
+            <a:gs pos="100000">
+              <a:schemeClr val="phClr">
+                <a:tint val="50000"/>
+                <a:shade val="100000"/>
+                <a:satMod val="350000"/>
+              </a:schemeClr>
+            </a:gs>
+          </a:gsLst>
+          <a:lin ang="16200000" scaled="0"/>
+        </a:gradFill>
+      </a:fillStyleLst>
+      <a:lnStyleLst>
+        <a:ln w="9525" cap="flat" cmpd="sng" algn="ctr">
+          <a:solidFill>
+            <a:schemeClr val="phClr">
+              <a:shade val="95000"/>
+              <a:satMod val="105000"/>
+            </a:schemeClr>
+          </a:solidFill>
+          <a:prstDash val="solid"/>
+        </a:ln>
+        <a:ln w="25400" cap="flat" cmpd="sng" algn="ctr">
+          <a:solidFill>
+            <a:schemeClr val="phClr"/>
+          </a:solidFill>
+          <a:prstDash val="solid"/>
+        </a:ln>
+        <a:ln w="38100" cap="flat" cmpd="sng" algn="ctr">
+          <a:solidFill>
+            <a:schemeClr val="phClr"/>
+          </a:solidFill>
+          <a:prstDash val="solid"/>
+        </a:ln>
+      </a:lnStyleLst>
+      <a:effectStyleLst>
+        <a:effectStyle>
+          <a:effectLst>
+            <a:outerShdw blurRad="40000" dist="20000" dir="5400000" rotWithShape="0">
+              <a:srgbClr val="000000">
+                <a:alpha val="38000"/>
+              </a:srgbClr>
+            </a:outerShdw>
+          </a:effectLst>
+        </a:effectStyle>
+        <a:effectStyle>
+          <a:effectLst>
+            <a:outerShdw blurRad="40000" dist="23000" dir="5400000" rotWithShape="0">
+              <a:srgbClr val="000000">
+                <a:alpha val="35000"/>
+              </a:srgbClr>
+            </a:outerShdw>
+          </a:effectLst>
+        </a:effectStyle>
+        <a:effectStyle>
+          <a:effectLst>
+            <a:outerShdw blurRad="40000" dist="23000" dir="5400000" rotWithShape="0">
+              <a:srgbClr val="000000">
+                <a:alpha val="35000"/>
+              </a:srgbClr>
+            </a:outerShdw>
+          </a:effectLst>
+          <a:scene3d>
+            <a:camera prst="orthographicFront">
+              <a:rot lat="0" lon="0" rev="0"/>
+            </a:camera>
+            <a:lightRig rig="threePt" dir="t">
+              <a:rot lat="0" lon="0" rev="1200000"/>
+            </a:lightRig>
+          </a:scene3d>
+          <a:sp3d>
+            <a:bevelT w="63500" h="25400"/>
+          </a:sp3d>
+        </a:effectStyle>
+      </a:effectStyleLst>
+      <a:bgFillStyleLst>
+        <a:solidFill>
+          <a:schemeClr val="phClr"/>
+        </a:solidFill>
+        <a:gradFill rotWithShape="1">
+          <a:gsLst>
+            <a:gs pos="0">
+              <a:schemeClr val="phClr">
+                <a:tint val="40000"/>
+                <a:satMod val="350000"/>
+              </a:schemeClr>
+            </a:gs>
+            <a:gs pos="40000">
+              <a:schemeClr val="phClr">
+                <a:tint val="45000"/>
+                <a:shade val="99000"/>
+                <a:satMod val="350000"/>
+              </a:schemeClr>
+            </a:gs>
+            <a:gs pos="100000">
+              <a:schemeClr val="phClr">
+                <a:shade val="20000"/>
+                <a:satMod val="255000"/>
+              </a:schemeClr>
+            </a:gs>
+          </a:gsLst>
+          <a:path path="circle">
+            <a:fillToRect l="50000" t="-80000" r="50000" b="180000"/>
+          </a:path>
+        </a:gradFill>
+        <a:gradFill rotWithShape="1">
+          <a:gsLst>
+            <a:gs pos="0">
+              <a:schemeClr val="phClr">
+                <a:tint val="80000"/>
+                <a:satMod val="300000"/>
+              </a:schemeClr>
+            </a:gs>
+            <a:gs pos="100000">
+              <a:schemeClr val="phClr">
+                <a:shade val="30000"/>
+                <a:satMod val="200000"/>
+              </a:schemeClr>
+            </a:gs>
+          </a:gsLst>
+          <a:path path="circle">
+            <a:fillToRect l="50000" t="50000" r="50000" b="50000"/>
+          </a:path>
+        </a:gradFill>
+      </a:bgFillStyleLst>
+    </a:fmtScheme>
+  </a:themeElements>
+</a:theme>
+</file>
+
+<file path=ppt/theme/theme2.xml><?xml version="1.0" encoding="utf-8"?>
 <a:theme xmlns:a="http://schemas.openxmlformats.org/drawingml/2006/main" xmlns:r="http://schemas.openxmlformats.org/officeDocument/2006/relationships">
   <a:themeElements>
     <a:clrScheme name="Default">
@@ -14111,283 +14407,4 @@
     </a:fmtScheme>
   </a:themeElements>
 </a:theme>
-</file>
-
-<file path=ppt/theme/theme2.xml><?xml version="1.0" encoding="utf-8"?>
-<a:theme xmlns:a="http://schemas.openxmlformats.org/drawingml/2006/main" xmlns:r="http://schemas.openxmlformats.org/officeDocument/2006/relationships" name="Geometric">
-  <a:themeElements>
-    <a:clrScheme name="Geometric">
-      <a:dk1>
-        <a:srgbClr val="2A3990"/>
-      </a:dk1>
-      <a:lt1>
-        <a:srgbClr val="FFFFFF"/>
-      </a:lt1>
-      <a:dk2>
-        <a:srgbClr val="434343"/>
-      </a:dk2>
-      <a:lt2>
-        <a:srgbClr val="999999"/>
-      </a:lt2>
-      <a:accent1>
-        <a:srgbClr val="212D74"/>
-      </a:accent1>
-      <a:accent2>
-        <a:srgbClr val="3949AB"/>
-      </a:accent2>
-      <a:accent3>
-        <a:srgbClr val="9C254D"/>
-      </a:accent3>
-      <a:accent4>
-        <a:srgbClr val="D23369"/>
-      </a:accent4>
-      <a:accent5>
-        <a:srgbClr val="F06292"/>
-      </a:accent5>
-      <a:accent6>
-        <a:srgbClr val="7890CD"/>
-      </a:accent6>
-      <a:hlink>
-        <a:srgbClr val="F06292"/>
-      </a:hlink>
-      <a:folHlink>
-        <a:srgbClr val="F06292"/>
-      </a:folHlink>
-    </a:clrScheme>
-    <a:fontScheme name="Office">
-      <a:majorFont>
-        <a:latin typeface="Arial"/>
-        <a:ea typeface=""/>
-        <a:cs typeface=""/>
-        <a:font script="Jpan" typeface="ＭＳ Ｐゴシック"/>
-        <a:font script="Hang" typeface="맑은 고딕"/>
-        <a:font script="Hans" typeface="宋体"/>
-        <a:font script="Hant" typeface="新細明體"/>
-        <a:font script="Arab" typeface="Times New Roman"/>
-        <a:font script="Hebr" typeface="Times New Roman"/>
-        <a:font script="Thai" typeface="Angsana New"/>
-        <a:font script="Ethi" typeface="Nyala"/>
-        <a:font script="Beng" typeface="Vrinda"/>
-        <a:font script="Gujr" typeface="Shruti"/>
-        <a:font script="Khmr" typeface="MoolBoran"/>
-        <a:font script="Knda" typeface="Tunga"/>
-        <a:font script="Guru" typeface="Raavi"/>
-        <a:font script="Cans" typeface="Euphemia"/>
-        <a:font script="Cher" typeface="Plantagenet Cherokee"/>
-        <a:font script="Yiii" typeface="Microsoft Yi Baiti"/>
-        <a:font script="Tibt" typeface="Microsoft Himalaya"/>
-        <a:font script="Thaa" typeface="MV Boli"/>
-        <a:font script="Deva" typeface="Mangal"/>
-        <a:font script="Telu" typeface="Gautami"/>
-        <a:font script="Taml" typeface="Latha"/>
-        <a:font script="Syrc" typeface="Estrangelo Edessa"/>
-        <a:font script="Orya" typeface="Kalinga"/>
-        <a:font script="Mlym" typeface="Kartika"/>
-        <a:font script="Laoo" typeface="DokChampa"/>
-        <a:font script="Sinh" typeface="Iskoola Pota"/>
-        <a:font script="Mong" typeface="Mongolian Baiti"/>
-        <a:font script="Viet" typeface="Times New Roman"/>
-        <a:font script="Uigh" typeface="Microsoft Uighur"/>
-        <a:font script="Geor" typeface="Sylfaen"/>
-      </a:majorFont>
-      <a:minorFont>
-        <a:latin typeface="Arial"/>
-        <a:ea typeface=""/>
-        <a:cs typeface=""/>
-        <a:font script="Jpan" typeface="ＭＳ Ｐゴシック"/>
-        <a:font script="Hang" typeface="맑은 고딕"/>
-        <a:font script="Hans" typeface="宋体"/>
-        <a:font script="Hant" typeface="新細明體"/>
-        <a:font script="Arab" typeface="Arial"/>
-        <a:font script="Hebr" typeface="Arial"/>
-        <a:font script="Thai" typeface="Cordia New"/>
-        <a:font script="Ethi" typeface="Nyala"/>
-        <a:font script="Beng" typeface="Vrinda"/>
-        <a:font script="Gujr" typeface="Shruti"/>
-        <a:font script="Khmr" typeface="DaunPenh"/>
-        <a:font script="Knda" typeface="Tunga"/>
-        <a:font script="Guru" typeface="Raavi"/>
-        <a:font script="Cans" typeface="Euphemia"/>
-        <a:font script="Cher" typeface="Plantagenet Cherokee"/>
-        <a:font script="Yiii" typeface="Microsoft Yi Baiti"/>
-        <a:font script="Tibt" typeface="Microsoft Himalaya"/>
-        <a:font script="Thaa" typeface="MV Boli"/>
-        <a:font script="Deva" typeface="Mangal"/>
-        <a:font script="Telu" typeface="Gautami"/>
-        <a:font script="Taml" typeface="Latha"/>
-        <a:font script="Syrc" typeface="Estrangelo Edessa"/>
-        <a:font script="Orya" typeface="Kalinga"/>
-        <a:font script="Mlym" typeface="Kartika"/>
-        <a:font script="Laoo" typeface="DokChampa"/>
-        <a:font script="Sinh" typeface="Iskoola Pota"/>
-        <a:font script="Mong" typeface="Mongolian Baiti"/>
-        <a:font script="Viet" typeface="Arial"/>
-        <a:font script="Uigh" typeface="Microsoft Uighur"/>
-        <a:font script="Geor" typeface="Sylfaen"/>
-      </a:minorFont>
-    </a:fontScheme>
-    <a:fmtScheme name="Office">
-      <a:fillStyleLst>
-        <a:solidFill>
-          <a:schemeClr val="phClr"/>
-        </a:solidFill>
-        <a:gradFill rotWithShape="1">
-          <a:gsLst>
-            <a:gs pos="0">
-              <a:schemeClr val="phClr">
-                <a:tint val="50000"/>
-                <a:satMod val="300000"/>
-              </a:schemeClr>
-            </a:gs>
-            <a:gs pos="35000">
-              <a:schemeClr val="phClr">
-                <a:tint val="37000"/>
-                <a:satMod val="300000"/>
-              </a:schemeClr>
-            </a:gs>
-            <a:gs pos="100000">
-              <a:schemeClr val="phClr">
-                <a:tint val="15000"/>
-                <a:satMod val="350000"/>
-              </a:schemeClr>
-            </a:gs>
-          </a:gsLst>
-          <a:lin ang="16200000" scaled="1"/>
-        </a:gradFill>
-        <a:gradFill rotWithShape="1">
-          <a:gsLst>
-            <a:gs pos="0">
-              <a:schemeClr val="phClr">
-                <a:tint val="100000"/>
-                <a:shade val="100000"/>
-                <a:satMod val="130000"/>
-              </a:schemeClr>
-            </a:gs>
-            <a:gs pos="100000">
-              <a:schemeClr val="phClr">
-                <a:tint val="50000"/>
-                <a:shade val="100000"/>
-                <a:satMod val="350000"/>
-              </a:schemeClr>
-            </a:gs>
-          </a:gsLst>
-          <a:lin ang="16200000" scaled="0"/>
-        </a:gradFill>
-      </a:fillStyleLst>
-      <a:lnStyleLst>
-        <a:ln w="9525" cap="flat" cmpd="sng" algn="ctr">
-          <a:solidFill>
-            <a:schemeClr val="phClr">
-              <a:shade val="95000"/>
-              <a:satMod val="105000"/>
-            </a:schemeClr>
-          </a:solidFill>
-          <a:prstDash val="solid"/>
-        </a:ln>
-        <a:ln w="25400" cap="flat" cmpd="sng" algn="ctr">
-          <a:solidFill>
-            <a:schemeClr val="phClr"/>
-          </a:solidFill>
-          <a:prstDash val="solid"/>
-        </a:ln>
-        <a:ln w="38100" cap="flat" cmpd="sng" algn="ctr">
-          <a:solidFill>
-            <a:schemeClr val="phClr"/>
-          </a:solidFill>
-          <a:prstDash val="solid"/>
-        </a:ln>
-      </a:lnStyleLst>
-      <a:effectStyleLst>
-        <a:effectStyle>
-          <a:effectLst>
-            <a:outerShdw blurRad="40000" dist="20000" dir="5400000" rotWithShape="0">
-              <a:srgbClr val="000000">
-                <a:alpha val="38000"/>
-              </a:srgbClr>
-            </a:outerShdw>
-          </a:effectLst>
-        </a:effectStyle>
-        <a:effectStyle>
-          <a:effectLst>
-            <a:outerShdw blurRad="40000" dist="23000" dir="5400000" rotWithShape="0">
-              <a:srgbClr val="000000">
-                <a:alpha val="35000"/>
-              </a:srgbClr>
-            </a:outerShdw>
-          </a:effectLst>
-        </a:effectStyle>
-        <a:effectStyle>
-          <a:effectLst>
-            <a:outerShdw blurRad="40000" dist="23000" dir="5400000" rotWithShape="0">
-              <a:srgbClr val="000000">
-                <a:alpha val="35000"/>
-              </a:srgbClr>
-            </a:outerShdw>
-          </a:effectLst>
-          <a:scene3d>
-            <a:camera prst="orthographicFront">
-              <a:rot lat="0" lon="0" rev="0"/>
-            </a:camera>
-            <a:lightRig rig="threePt" dir="t">
-              <a:rot lat="0" lon="0" rev="1200000"/>
-            </a:lightRig>
-          </a:scene3d>
-          <a:sp3d>
-            <a:bevelT w="63500" h="25400"/>
-          </a:sp3d>
-        </a:effectStyle>
-      </a:effectStyleLst>
-      <a:bgFillStyleLst>
-        <a:solidFill>
-          <a:schemeClr val="phClr"/>
-        </a:solidFill>
-        <a:gradFill rotWithShape="1">
-          <a:gsLst>
-            <a:gs pos="0">
-              <a:schemeClr val="phClr">
-                <a:tint val="40000"/>
-                <a:satMod val="350000"/>
-              </a:schemeClr>
-            </a:gs>
-            <a:gs pos="40000">
-              <a:schemeClr val="phClr">
-                <a:tint val="45000"/>
-                <a:shade val="99000"/>
-                <a:satMod val="350000"/>
-              </a:schemeClr>
-            </a:gs>
-            <a:gs pos="100000">
-              <a:schemeClr val="phClr">
-                <a:shade val="20000"/>
-                <a:satMod val="255000"/>
-              </a:schemeClr>
-            </a:gs>
-          </a:gsLst>
-          <a:path path="circle">
-            <a:fillToRect l="50000" t="-80000" r="50000" b="180000"/>
-          </a:path>
-        </a:gradFill>
-        <a:gradFill rotWithShape="1">
-          <a:gsLst>
-            <a:gs pos="0">
-              <a:schemeClr val="phClr">
-                <a:tint val="80000"/>
-                <a:satMod val="300000"/>
-              </a:schemeClr>
-            </a:gs>
-            <a:gs pos="100000">
-              <a:schemeClr val="phClr">
-                <a:shade val="30000"/>
-                <a:satMod val="200000"/>
-              </a:schemeClr>
-            </a:gs>
-          </a:gsLst>
-          <a:path path="circle">
-            <a:fillToRect l="50000" t="50000" r="50000" b="50000"/>
-          </a:path>
-        </a:gradFill>
-      </a:bgFillStyleLst>
-    </a:fmtScheme>
-  </a:themeElements>
-</a:theme>
 </file>
--- a/presentation/main.pptx
+++ b/presentation/main.pptx
@@ -917,7 +917,7 @@
   <p:cSld>
     <p:spTree>
       <p:nvGrpSpPr>
-        <p:cNvPr id="163" name="Shape 163"/>
+        <p:cNvPr id="164" name="Shape 164"/>
         <p:cNvGrpSpPr/>
         <p:nvPr/>
       </p:nvGrpSpPr>
@@ -931,7 +931,7 @@
       </p:grpSpPr>
       <p:sp>
         <p:nvSpPr>
-          <p:cNvPr id="164" name="Google Shape;164;gd8999b62aa_0_69:notes"/>
+          <p:cNvPr id="165" name="Google Shape;165;gd8999b62aa_0_69:notes"/>
           <p:cNvSpPr/>
           <p:nvPr>
             <p:ph idx="2" type="sldImg"/>
@@ -966,7 +966,7 @@
       </p:sp>
       <p:sp>
         <p:nvSpPr>
-          <p:cNvPr id="165" name="Google Shape;165;gd8999b62aa_0_69:notes"/>
+          <p:cNvPr id="166" name="Google Shape;166;gd8999b62aa_0_69:notes"/>
           <p:cNvSpPr txBox="1"/>
           <p:nvPr>
             <p:ph idx="1" type="body"/>
@@ -1016,7 +1016,7 @@
   <p:cSld>
     <p:spTree>
       <p:nvGrpSpPr>
-        <p:cNvPr id="187" name="Shape 187"/>
+        <p:cNvPr id="188" name="Shape 188"/>
         <p:cNvGrpSpPr/>
         <p:nvPr/>
       </p:nvGrpSpPr>
@@ -1030,7 +1030,7 @@
       </p:grpSpPr>
       <p:sp>
         <p:nvSpPr>
-          <p:cNvPr id="188" name="Google Shape;188;gd893a02537_0_148:notes"/>
+          <p:cNvPr id="189" name="Google Shape;189;gd893a02537_0_148:notes"/>
           <p:cNvSpPr/>
           <p:nvPr>
             <p:ph idx="2" type="sldImg"/>
@@ -1065,7 +1065,7 @@
       </p:sp>
       <p:sp>
         <p:nvSpPr>
-          <p:cNvPr id="189" name="Google Shape;189;gd893a02537_0_148:notes"/>
+          <p:cNvPr id="190" name="Google Shape;190;gd893a02537_0_148:notes"/>
           <p:cNvSpPr txBox="1"/>
           <p:nvPr>
             <p:ph idx="1" type="body"/>
@@ -1115,7 +1115,7 @@
   <p:cSld>
     <p:spTree>
       <p:nvGrpSpPr>
-        <p:cNvPr id="194" name="Shape 194"/>
+        <p:cNvPr id="195" name="Shape 195"/>
         <p:cNvGrpSpPr/>
         <p:nvPr/>
       </p:nvGrpSpPr>
@@ -1129,7 +1129,7 @@
       </p:grpSpPr>
       <p:sp>
         <p:nvSpPr>
-          <p:cNvPr id="195" name="Google Shape;195;gd8999b62aa_0_105:notes"/>
+          <p:cNvPr id="196" name="Google Shape;196;gd8999b62aa_0_105:notes"/>
           <p:cNvSpPr/>
           <p:nvPr>
             <p:ph idx="2" type="sldImg"/>
@@ -1164,7 +1164,7 @@
       </p:sp>
       <p:sp>
         <p:nvSpPr>
-          <p:cNvPr id="196" name="Google Shape;196;gd8999b62aa_0_105:notes"/>
+          <p:cNvPr id="197" name="Google Shape;197;gd8999b62aa_0_105:notes"/>
           <p:cNvSpPr txBox="1"/>
           <p:nvPr>
             <p:ph idx="1" type="body"/>
@@ -1214,7 +1214,7 @@
   <p:cSld>
     <p:spTree>
       <p:nvGrpSpPr>
-        <p:cNvPr id="200" name="Shape 200"/>
+        <p:cNvPr id="201" name="Shape 201"/>
         <p:cNvGrpSpPr/>
         <p:nvPr/>
       </p:nvGrpSpPr>
@@ -1228,7 +1228,7 @@
       </p:grpSpPr>
       <p:sp>
         <p:nvSpPr>
-          <p:cNvPr id="201" name="Google Shape;201;gd8999b62aa_0_112:notes"/>
+          <p:cNvPr id="202" name="Google Shape;202;gd8999b62aa_0_112:notes"/>
           <p:cNvSpPr/>
           <p:nvPr>
             <p:ph idx="2" type="sldImg"/>
@@ -1263,7 +1263,7 @@
       </p:sp>
       <p:sp>
         <p:nvSpPr>
-          <p:cNvPr id="202" name="Google Shape;202;gd8999b62aa_0_112:notes"/>
+          <p:cNvPr id="203" name="Google Shape;203;gd8999b62aa_0_112:notes"/>
           <p:cNvSpPr txBox="1"/>
           <p:nvPr>
             <p:ph idx="1" type="body"/>
@@ -1313,7 +1313,7 @@
   <p:cSld>
     <p:spTree>
       <p:nvGrpSpPr>
-        <p:cNvPr id="208" name="Shape 208"/>
+        <p:cNvPr id="209" name="Shape 209"/>
         <p:cNvGrpSpPr/>
         <p:nvPr/>
       </p:nvGrpSpPr>
@@ -1327,7 +1327,7 @@
       </p:grpSpPr>
       <p:sp>
         <p:nvSpPr>
-          <p:cNvPr id="209" name="Google Shape;209;gd8999b62aa_0_119:notes"/>
+          <p:cNvPr id="210" name="Google Shape;210;gd8999b62aa_0_119:notes"/>
           <p:cNvSpPr/>
           <p:nvPr>
             <p:ph idx="2" type="sldImg"/>
@@ -1362,7 +1362,7 @@
       </p:sp>
       <p:sp>
         <p:nvSpPr>
-          <p:cNvPr id="210" name="Google Shape;210;gd8999b62aa_0_119:notes"/>
+          <p:cNvPr id="211" name="Google Shape;211;gd8999b62aa_0_119:notes"/>
           <p:cNvSpPr txBox="1"/>
           <p:nvPr>
             <p:ph idx="1" type="body"/>
@@ -1412,7 +1412,7 @@
   <p:cSld>
     <p:spTree>
       <p:nvGrpSpPr>
-        <p:cNvPr id="217" name="Shape 217"/>
+        <p:cNvPr id="218" name="Shape 218"/>
         <p:cNvGrpSpPr/>
         <p:nvPr/>
       </p:nvGrpSpPr>
@@ -1426,7 +1426,7 @@
       </p:grpSpPr>
       <p:sp>
         <p:nvSpPr>
-          <p:cNvPr id="218" name="Google Shape;218;gd8999b62aa_0_126:notes"/>
+          <p:cNvPr id="219" name="Google Shape;219;gd8999b62aa_0_126:notes"/>
           <p:cNvSpPr/>
           <p:nvPr>
             <p:ph idx="2" type="sldImg"/>
@@ -1461,7 +1461,7 @@
       </p:sp>
       <p:sp>
         <p:nvSpPr>
-          <p:cNvPr id="219" name="Google Shape;219;gd8999b62aa_0_126:notes"/>
+          <p:cNvPr id="220" name="Google Shape;220;gd8999b62aa_0_126:notes"/>
           <p:cNvSpPr txBox="1"/>
           <p:nvPr>
             <p:ph idx="1" type="body"/>
@@ -1511,7 +1511,7 @@
   <p:cSld>
     <p:spTree>
       <p:nvGrpSpPr>
-        <p:cNvPr id="227" name="Shape 227"/>
+        <p:cNvPr id="228" name="Shape 228"/>
         <p:cNvGrpSpPr/>
         <p:nvPr/>
       </p:nvGrpSpPr>
@@ -1525,7 +1525,7 @@
       </p:grpSpPr>
       <p:sp>
         <p:nvSpPr>
-          <p:cNvPr id="228" name="Google Shape;228;gd8999b62aa_0_137:notes"/>
+          <p:cNvPr id="229" name="Google Shape;229;gd8999b62aa_0_137:notes"/>
           <p:cNvSpPr/>
           <p:nvPr>
             <p:ph idx="2" type="sldImg"/>
@@ -1560,7 +1560,7 @@
       </p:sp>
       <p:sp>
         <p:nvSpPr>
-          <p:cNvPr id="229" name="Google Shape;229;gd8999b62aa_0_137:notes"/>
+          <p:cNvPr id="230" name="Google Shape;230;gd8999b62aa_0_137:notes"/>
           <p:cNvSpPr txBox="1"/>
           <p:nvPr>
             <p:ph idx="1" type="body"/>
@@ -1610,7 +1610,7 @@
   <p:cSld>
     <p:spTree>
       <p:nvGrpSpPr>
-        <p:cNvPr id="236" name="Shape 236"/>
+        <p:cNvPr id="237" name="Shape 237"/>
         <p:cNvGrpSpPr/>
         <p:nvPr/>
       </p:nvGrpSpPr>
@@ -1624,7 +1624,7 @@
       </p:grpSpPr>
       <p:sp>
         <p:nvSpPr>
-          <p:cNvPr id="237" name="Google Shape;237;gd893a02537_0_143:notes"/>
+          <p:cNvPr id="238" name="Google Shape;238;gd893a02537_0_143:notes"/>
           <p:cNvSpPr/>
           <p:nvPr>
             <p:ph idx="2" type="sldImg"/>
@@ -1659,7 +1659,7 @@
       </p:sp>
       <p:sp>
         <p:nvSpPr>
-          <p:cNvPr id="238" name="Google Shape;238;gd893a02537_0_143:notes"/>
+          <p:cNvPr id="239" name="Google Shape;239;gd893a02537_0_143:notes"/>
           <p:cNvSpPr txBox="1"/>
           <p:nvPr>
             <p:ph idx="1" type="body"/>
@@ -1709,7 +1709,7 @@
   <p:cSld>
     <p:spTree>
       <p:nvGrpSpPr>
-        <p:cNvPr id="242" name="Shape 242"/>
+        <p:cNvPr id="243" name="Shape 243"/>
         <p:cNvGrpSpPr/>
         <p:nvPr/>
       </p:nvGrpSpPr>
@@ -1723,7 +1723,7 @@
       </p:grpSpPr>
       <p:sp>
         <p:nvSpPr>
-          <p:cNvPr id="243" name="Google Shape;243;gd893a02537_0_157:notes"/>
+          <p:cNvPr id="244" name="Google Shape;244;gd893a02537_0_157:notes"/>
           <p:cNvSpPr/>
           <p:nvPr>
             <p:ph idx="2" type="sldImg"/>
@@ -1758,7 +1758,7 @@
       </p:sp>
       <p:sp>
         <p:nvSpPr>
-          <p:cNvPr id="244" name="Google Shape;244;gd893a02537_0_157:notes"/>
+          <p:cNvPr id="245" name="Google Shape;245;gd893a02537_0_157:notes"/>
           <p:cNvSpPr txBox="1"/>
           <p:nvPr>
             <p:ph idx="1" type="body"/>
@@ -1907,7 +1907,7 @@
   <p:cSld>
     <p:spTree>
       <p:nvGrpSpPr>
-        <p:cNvPr id="248" name="Shape 248"/>
+        <p:cNvPr id="249" name="Shape 249"/>
         <p:cNvGrpSpPr/>
         <p:nvPr/>
       </p:nvGrpSpPr>
@@ -1921,7 +1921,7 @@
       </p:grpSpPr>
       <p:sp>
         <p:nvSpPr>
-          <p:cNvPr id="249" name="Google Shape;249;gd893a02537_0_153:notes"/>
+          <p:cNvPr id="250" name="Google Shape;250;gd893a02537_0_153:notes"/>
           <p:cNvSpPr/>
           <p:nvPr>
             <p:ph idx="2" type="sldImg"/>
@@ -1956,7 +1956,7 @@
       </p:sp>
       <p:sp>
         <p:nvSpPr>
-          <p:cNvPr id="250" name="Google Shape;250;gd893a02537_0_153:notes"/>
+          <p:cNvPr id="251" name="Google Shape;251;gd893a02537_0_153:notes"/>
           <p:cNvSpPr txBox="1"/>
           <p:nvPr>
             <p:ph idx="1" type="body"/>
@@ -9712,7 +9712,7 @@
         </p:blipFill>
         <p:spPr>
           <a:xfrm>
-            <a:off x="311700" y="2956550"/>
+            <a:off x="311700" y="3063700"/>
             <a:ext cx="5989100" cy="1671925"/>
           </a:xfrm>
           <a:prstGeom prst="rect">
@@ -9730,8 +9730,35 @@
           <p:cNvPicPr preferRelativeResize="0"/>
           <p:nvPr/>
         </p:nvPicPr>
+        <p:blipFill rotWithShape="1">
+          <a:blip r:embed="rId4">
+            <a:alphaModFix/>
+          </a:blip>
+          <a:srcRect b="39228" l="0" r="0" t="0"/>
+          <a:stretch/>
+        </p:blipFill>
+        <p:spPr>
+          <a:xfrm>
+            <a:off x="311700" y="2455895"/>
+            <a:ext cx="5400675" cy="607800"/>
+          </a:xfrm>
+          <a:prstGeom prst="rect">
+            <a:avLst/>
+          </a:prstGeom>
+          <a:noFill/>
+          <a:ln>
+            <a:noFill/>
+          </a:ln>
+        </p:spPr>
+      </p:pic>
+      <p:pic>
+        <p:nvPicPr>
+          <p:cNvPr id="163" name="Google Shape;163;p22"/>
+          <p:cNvPicPr preferRelativeResize="0"/>
+          <p:nvPr/>
+        </p:nvPicPr>
         <p:blipFill>
-          <a:blip r:embed="rId4">
+          <a:blip r:embed="rId5">
             <a:alphaModFix/>
           </a:blip>
           <a:stretch>
@@ -9740,8 +9767,8 @@
         </p:blipFill>
         <p:spPr>
           <a:xfrm>
-            <a:off x="311688" y="1838013"/>
-            <a:ext cx="5400675" cy="1000125"/>
+            <a:off x="311700" y="1582975"/>
+            <a:ext cx="3645701" cy="988775"/>
           </a:xfrm>
           <a:prstGeom prst="rect">
             <a:avLst/>
@@ -9765,7 +9792,7 @@
   <p:cSld>
     <p:spTree>
       <p:nvGrpSpPr>
-        <p:cNvPr id="166" name="Shape 166"/>
+        <p:cNvPr id="167" name="Shape 167"/>
         <p:cNvGrpSpPr/>
         <p:nvPr/>
       </p:nvGrpSpPr>
@@ -9779,7 +9806,7 @@
       </p:grpSpPr>
       <p:sp>
         <p:nvSpPr>
-          <p:cNvPr id="167" name="Google Shape;167;p23"/>
+          <p:cNvPr id="168" name="Google Shape;168;p23"/>
           <p:cNvSpPr txBox="1"/>
           <p:nvPr>
             <p:ph type="title"/>
@@ -9818,34 +9845,6 @@
           </a:p>
         </p:txBody>
       </p:sp>
-      <p:pic>
-        <p:nvPicPr>
-          <p:cNvPr id="168" name="Google Shape;168;p23"/>
-          <p:cNvPicPr preferRelativeResize="0"/>
-          <p:nvPr/>
-        </p:nvPicPr>
-        <p:blipFill>
-          <a:blip r:embed="rId3">
-            <a:alphaModFix/>
-          </a:blip>
-          <a:stretch>
-            <a:fillRect/>
-          </a:stretch>
-        </p:blipFill>
-        <p:spPr>
-          <a:xfrm>
-            <a:off x="377425" y="655850"/>
-            <a:ext cx="1133675" cy="1133675"/>
-          </a:xfrm>
-          <a:prstGeom prst="rect">
-            <a:avLst/>
-          </a:prstGeom>
-          <a:noFill/>
-          <a:ln>
-            <a:noFill/>
-          </a:ln>
-        </p:spPr>
-      </p:pic>
       <p:pic>
         <p:nvPicPr>
           <p:cNvPr id="169" name="Google Shape;169;p23"/>
@@ -9862,7 +9861,7 @@
         </p:blipFill>
         <p:spPr>
           <a:xfrm>
-            <a:off x="529825" y="808250"/>
+            <a:off x="377425" y="655850"/>
             <a:ext cx="1133675" cy="1133675"/>
           </a:xfrm>
           <a:prstGeom prst="rect">
@@ -9890,7 +9889,7 @@
         </p:blipFill>
         <p:spPr>
           <a:xfrm>
-            <a:off x="682225" y="960650"/>
+            <a:off x="529825" y="808250"/>
             <a:ext cx="1133675" cy="1133675"/>
           </a:xfrm>
           <a:prstGeom prst="rect">
@@ -9918,7 +9917,7 @@
         </p:blipFill>
         <p:spPr>
           <a:xfrm>
-            <a:off x="834625" y="1113050"/>
+            <a:off x="682225" y="960650"/>
             <a:ext cx="1133675" cy="1133675"/>
           </a:xfrm>
           <a:prstGeom prst="rect">
@@ -9937,7 +9936,7 @@
           <p:nvPr/>
         </p:nvPicPr>
         <p:blipFill>
-          <a:blip r:embed="rId4">
+          <a:blip r:embed="rId3">
             <a:alphaModFix/>
           </a:blip>
           <a:stretch>
@@ -9946,8 +9945,8 @@
         </p:blipFill>
         <p:spPr>
           <a:xfrm>
-            <a:off x="3470850" y="778213"/>
-            <a:ext cx="911825" cy="911825"/>
+            <a:off x="834625" y="1113050"/>
+            <a:ext cx="1133675" cy="1133675"/>
           </a:xfrm>
           <a:prstGeom prst="rect">
             <a:avLst/>
@@ -9974,7 +9973,7 @@
         </p:blipFill>
         <p:spPr>
           <a:xfrm>
-            <a:off x="3623250" y="930613"/>
+            <a:off x="3470850" y="778213"/>
             <a:ext cx="911825" cy="911825"/>
           </a:xfrm>
           <a:prstGeom prst="rect">
@@ -10002,7 +10001,7 @@
         </p:blipFill>
         <p:spPr>
           <a:xfrm>
-            <a:off x="3775650" y="1083013"/>
+            <a:off x="3623250" y="930613"/>
             <a:ext cx="911825" cy="911825"/>
           </a:xfrm>
           <a:prstGeom prst="rect">
@@ -10030,7 +10029,7 @@
         </p:blipFill>
         <p:spPr>
           <a:xfrm>
-            <a:off x="3928050" y="1235413"/>
+            <a:off x="3775650" y="1083013"/>
             <a:ext cx="911825" cy="911825"/>
           </a:xfrm>
           <a:prstGeom prst="rect">
@@ -10042,9 +10041,37 @@
           </a:ln>
         </p:spPr>
       </p:pic>
+      <p:pic>
+        <p:nvPicPr>
+          <p:cNvPr id="176" name="Google Shape;176;p23"/>
+          <p:cNvPicPr preferRelativeResize="0"/>
+          <p:nvPr/>
+        </p:nvPicPr>
+        <p:blipFill>
+          <a:blip r:embed="rId4">
+            <a:alphaModFix/>
+          </a:blip>
+          <a:stretch>
+            <a:fillRect/>
+          </a:stretch>
+        </p:blipFill>
+        <p:spPr>
+          <a:xfrm>
+            <a:off x="3928050" y="1235413"/>
+            <a:ext cx="911825" cy="911825"/>
+          </a:xfrm>
+          <a:prstGeom prst="rect">
+            <a:avLst/>
+          </a:prstGeom>
+          <a:noFill/>
+          <a:ln>
+            <a:noFill/>
+          </a:ln>
+        </p:spPr>
+      </p:pic>
       <p:sp>
         <p:nvSpPr>
-          <p:cNvPr id="176" name="Google Shape;176;p23"/>
+          <p:cNvPr id="177" name="Google Shape;177;p23"/>
           <p:cNvSpPr/>
           <p:nvPr/>
         </p:nvSpPr>
@@ -10096,7 +10123,7 @@
       </p:sp>
       <p:sp>
         <p:nvSpPr>
-          <p:cNvPr id="177" name="Google Shape;177;p23"/>
+          <p:cNvPr id="178" name="Google Shape;178;p23"/>
           <p:cNvSpPr/>
           <p:nvPr/>
         </p:nvSpPr>
@@ -10152,7 +10179,7 @@
       </p:sp>
       <p:sp>
         <p:nvSpPr>
-          <p:cNvPr id="178" name="Google Shape;178;p23"/>
+          <p:cNvPr id="179" name="Google Shape;179;p23"/>
           <p:cNvSpPr/>
           <p:nvPr/>
         </p:nvSpPr>
@@ -10212,66 +10239,14 @@
       </p:sp>
       <p:sp>
         <p:nvSpPr>
-          <p:cNvPr id="179" name="Google Shape;179;p23"/>
-          <p:cNvSpPr/>
-          <p:nvPr/>
-        </p:nvSpPr>
-        <p:spPr>
-          <a:xfrm>
-            <a:off x="4998125" y="1372900"/>
-            <a:ext cx="1133700" cy="332100"/>
-          </a:xfrm>
-          <a:prstGeom prst="rightArrow">
-            <a:avLst>
-              <a:gd fmla="val 50000" name="adj1"/>
-              <a:gd fmla="val 50000" name="adj2"/>
-            </a:avLst>
-          </a:prstGeom>
-          <a:solidFill>
-            <a:schemeClr val="lt1"/>
-          </a:solidFill>
-          <a:ln cap="flat" cmpd="sng" w="9525">
-            <a:solidFill>
-              <a:schemeClr val="dk1"/>
-            </a:solidFill>
-            <a:prstDash val="solid"/>
-            <a:round/>
-            <a:headEnd len="sm" w="sm" type="none"/>
-            <a:tailEnd len="sm" w="sm" type="none"/>
-          </a:ln>
-        </p:spPr>
-        <p:txBody>
-          <a:bodyPr anchorCtr="0" anchor="ctr" bIns="91425" lIns="91425" spcFirstLastPara="1" rIns="91425" wrap="square" tIns="91425">
-            <a:noAutofit/>
-          </a:bodyPr>
-          <a:lstStyle/>
-          <a:p>
-            <a:pPr indent="0" lvl="0" marL="0" rtl="0" algn="l">
-              <a:spcBef>
-                <a:spcPts val="0"/>
-              </a:spcBef>
-              <a:spcAft>
-                <a:spcPts val="0"/>
-              </a:spcAft>
-              <a:buNone/>
-            </a:pPr>
-            <a:r>
-              <a:t/>
-            </a:r>
-            <a:endParaRPr/>
-          </a:p>
-        </p:txBody>
-      </p:sp>
-      <p:sp>
-        <p:nvSpPr>
           <p:cNvPr id="180" name="Google Shape;180;p23"/>
           <p:cNvSpPr/>
           <p:nvPr/>
         </p:nvSpPr>
         <p:spPr>
-          <a:xfrm rot="5400000">
-            <a:off x="6981275" y="2319900"/>
-            <a:ext cx="835800" cy="385800"/>
+          <a:xfrm>
+            <a:off x="4998125" y="1372900"/>
+            <a:ext cx="1133700" cy="332100"/>
           </a:xfrm>
           <a:prstGeom prst="rightArrow">
             <a:avLst>
@@ -10321,11 +10296,11 @@
           <p:nvPr/>
         </p:nvSpPr>
         <p:spPr>
-          <a:xfrm>
-            <a:off x="4714563" y="3430088"/>
-            <a:ext cx="1336500" cy="400200"/>
-          </a:xfrm>
-          <a:prstGeom prst="leftArrow">
+          <a:xfrm rot="5400000">
+            <a:off x="6981275" y="2319900"/>
+            <a:ext cx="835800" cy="385800"/>
+          </a:xfrm>
+          <a:prstGeom prst="rightArrow">
             <a:avLst>
               <a:gd fmla="val 50000" name="adj1"/>
               <a:gd fmla="val 50000" name="adj2"/>
@@ -10369,6 +10344,58 @@
       <p:sp>
         <p:nvSpPr>
           <p:cNvPr id="182" name="Google Shape;182;p23"/>
+          <p:cNvSpPr/>
+          <p:nvPr/>
+        </p:nvSpPr>
+        <p:spPr>
+          <a:xfrm>
+            <a:off x="4714563" y="3430088"/>
+            <a:ext cx="1336500" cy="400200"/>
+          </a:xfrm>
+          <a:prstGeom prst="leftArrow">
+            <a:avLst>
+              <a:gd fmla="val 50000" name="adj1"/>
+              <a:gd fmla="val 50000" name="adj2"/>
+            </a:avLst>
+          </a:prstGeom>
+          <a:solidFill>
+            <a:schemeClr val="lt1"/>
+          </a:solidFill>
+          <a:ln cap="flat" cmpd="sng" w="9525">
+            <a:solidFill>
+              <a:schemeClr val="dk1"/>
+            </a:solidFill>
+            <a:prstDash val="solid"/>
+            <a:round/>
+            <a:headEnd len="sm" w="sm" type="none"/>
+            <a:tailEnd len="sm" w="sm" type="none"/>
+          </a:ln>
+        </p:spPr>
+        <p:txBody>
+          <a:bodyPr anchorCtr="0" anchor="ctr" bIns="91425" lIns="91425" spcFirstLastPara="1" rIns="91425" wrap="square" tIns="91425">
+            <a:noAutofit/>
+          </a:bodyPr>
+          <a:lstStyle/>
+          <a:p>
+            <a:pPr indent="0" lvl="0" marL="0" rtl="0" algn="l">
+              <a:spcBef>
+                <a:spcPts val="0"/>
+              </a:spcBef>
+              <a:spcAft>
+                <a:spcPts val="0"/>
+              </a:spcAft>
+              <a:buNone/>
+            </a:pPr>
+            <a:r>
+              <a:t/>
+            </a:r>
+            <a:endParaRPr/>
+          </a:p>
+        </p:txBody>
+      </p:sp>
+      <p:sp>
+        <p:nvSpPr>
+          <p:cNvPr id="183" name="Google Shape;183;p23"/>
           <p:cNvSpPr txBox="1"/>
           <p:nvPr/>
         </p:nvSpPr>
@@ -10420,7 +10447,7 @@
       </p:sp>
       <p:sp>
         <p:nvSpPr>
-          <p:cNvPr id="183" name="Google Shape;183;p23"/>
+          <p:cNvPr id="184" name="Google Shape;184;p23"/>
           <p:cNvSpPr txBox="1"/>
           <p:nvPr/>
         </p:nvSpPr>
@@ -10472,7 +10499,7 @@
       </p:sp>
       <p:sp>
         <p:nvSpPr>
-          <p:cNvPr id="184" name="Google Shape;184;p23"/>
+          <p:cNvPr id="185" name="Google Shape;185;p23"/>
           <p:cNvSpPr txBox="1"/>
           <p:nvPr/>
         </p:nvSpPr>
@@ -10524,7 +10551,7 @@
       </p:sp>
       <p:sp>
         <p:nvSpPr>
-          <p:cNvPr id="185" name="Google Shape;185;p23"/>
+          <p:cNvPr id="186" name="Google Shape;186;p23"/>
           <p:cNvSpPr txBox="1"/>
           <p:nvPr/>
         </p:nvSpPr>
@@ -10576,7 +10603,7 @@
       </p:sp>
       <p:pic>
         <p:nvPicPr>
-          <p:cNvPr id="186" name="Google Shape;186;p23"/>
+          <p:cNvPr id="187" name="Google Shape;187;p23"/>
           <p:cNvPicPr preferRelativeResize="0"/>
           <p:nvPr/>
         </p:nvPicPr>
@@ -10615,7 +10642,7 @@
   <p:cSld>
     <p:spTree>
       <p:nvGrpSpPr>
-        <p:cNvPr id="190" name="Shape 190"/>
+        <p:cNvPr id="191" name="Shape 191"/>
         <p:cNvGrpSpPr/>
         <p:nvPr/>
       </p:nvGrpSpPr>
@@ -10629,7 +10656,7 @@
       </p:grpSpPr>
       <p:sp>
         <p:nvSpPr>
-          <p:cNvPr id="191" name="Google Shape;191;p24"/>
+          <p:cNvPr id="192" name="Google Shape;192;p24"/>
           <p:cNvSpPr txBox="1"/>
           <p:nvPr>
             <p:ph type="title"/>
@@ -10669,7 +10696,7 @@
       </p:sp>
       <p:pic>
         <p:nvPicPr>
-          <p:cNvPr id="192" name="Google Shape;192;p24"/>
+          <p:cNvPr id="193" name="Google Shape;193;p24"/>
           <p:cNvPicPr preferRelativeResize="0"/>
           <p:nvPr/>
         </p:nvPicPr>
@@ -10697,7 +10724,7 @@
       </p:pic>
       <p:pic>
         <p:nvPicPr>
-          <p:cNvPr id="193" name="Google Shape;193;p24"/>
+          <p:cNvPr id="194" name="Google Shape;194;p24"/>
           <p:cNvPicPr preferRelativeResize="0"/>
           <p:nvPr/>
         </p:nvPicPr>
@@ -10736,7 +10763,7 @@
   <p:cSld>
     <p:spTree>
       <p:nvGrpSpPr>
-        <p:cNvPr id="197" name="Shape 197"/>
+        <p:cNvPr id="198" name="Shape 198"/>
         <p:cNvGrpSpPr/>
         <p:nvPr/>
       </p:nvGrpSpPr>
@@ -10750,7 +10777,7 @@
       </p:grpSpPr>
       <p:pic>
         <p:nvPicPr>
-          <p:cNvPr id="198" name="Google Shape;198;p25"/>
+          <p:cNvPr id="199" name="Google Shape;199;p25"/>
           <p:cNvPicPr preferRelativeResize="0"/>
           <p:nvPr/>
         </p:nvPicPr>
@@ -10778,7 +10805,7 @@
       </p:pic>
       <p:pic>
         <p:nvPicPr>
-          <p:cNvPr id="199" name="Google Shape;199;p25"/>
+          <p:cNvPr id="200" name="Google Shape;200;p25"/>
           <p:cNvPicPr preferRelativeResize="0"/>
           <p:nvPr/>
         </p:nvPicPr>
@@ -10817,7 +10844,7 @@
   <p:cSld>
     <p:spTree>
       <p:nvGrpSpPr>
-        <p:cNvPr id="203" name="Shape 203"/>
+        <p:cNvPr id="204" name="Shape 204"/>
         <p:cNvGrpSpPr/>
         <p:nvPr/>
       </p:nvGrpSpPr>
@@ -10831,7 +10858,7 @@
       </p:grpSpPr>
       <p:pic>
         <p:nvPicPr>
-          <p:cNvPr id="204" name="Google Shape;204;p26"/>
+          <p:cNvPr id="205" name="Google Shape;205;p26"/>
           <p:cNvPicPr preferRelativeResize="0"/>
           <p:nvPr/>
         </p:nvPicPr>
@@ -10859,7 +10886,7 @@
       </p:pic>
       <p:pic>
         <p:nvPicPr>
-          <p:cNvPr id="205" name="Google Shape;205;p26"/>
+          <p:cNvPr id="206" name="Google Shape;206;p26"/>
           <p:cNvPicPr preferRelativeResize="0"/>
           <p:nvPr/>
         </p:nvPicPr>
@@ -10887,7 +10914,7 @@
       </p:pic>
       <p:sp>
         <p:nvSpPr>
-          <p:cNvPr id="206" name="Google Shape;206;p26"/>
+          <p:cNvPr id="207" name="Google Shape;207;p26"/>
           <p:cNvSpPr txBox="1"/>
           <p:nvPr/>
         </p:nvSpPr>
@@ -10939,7 +10966,7 @@
       </p:sp>
       <p:sp>
         <p:nvSpPr>
-          <p:cNvPr id="207" name="Google Shape;207;p26"/>
+          <p:cNvPr id="208" name="Google Shape;208;p26"/>
           <p:cNvSpPr txBox="1"/>
           <p:nvPr/>
         </p:nvSpPr>
@@ -11002,7 +11029,7 @@
   <p:cSld>
     <p:spTree>
       <p:nvGrpSpPr>
-        <p:cNvPr id="211" name="Shape 211"/>
+        <p:cNvPr id="212" name="Shape 212"/>
         <p:cNvGrpSpPr/>
         <p:nvPr/>
       </p:nvGrpSpPr>
@@ -11016,7 +11043,7 @@
       </p:grpSpPr>
       <p:pic>
         <p:nvPicPr>
-          <p:cNvPr id="212" name="Google Shape;212;p27"/>
+          <p:cNvPr id="213" name="Google Shape;213;p27"/>
           <p:cNvPicPr preferRelativeResize="0"/>
           <p:nvPr/>
         </p:nvPicPr>
@@ -11044,7 +11071,7 @@
       </p:pic>
       <p:pic>
         <p:nvPicPr>
-          <p:cNvPr id="213" name="Google Shape;213;p27"/>
+          <p:cNvPr id="214" name="Google Shape;214;p27"/>
           <p:cNvPicPr preferRelativeResize="0"/>
           <p:nvPr/>
         </p:nvPicPr>
@@ -11072,7 +11099,7 @@
       </p:pic>
       <p:sp>
         <p:nvSpPr>
-          <p:cNvPr id="214" name="Google Shape;214;p27"/>
+          <p:cNvPr id="215" name="Google Shape;215;p27"/>
           <p:cNvSpPr txBox="1"/>
           <p:nvPr/>
         </p:nvSpPr>
@@ -11124,7 +11151,7 @@
       </p:sp>
       <p:sp>
         <p:nvSpPr>
-          <p:cNvPr id="215" name="Google Shape;215;p27"/>
+          <p:cNvPr id="216" name="Google Shape;216;p27"/>
           <p:cNvSpPr txBox="1"/>
           <p:nvPr/>
         </p:nvSpPr>
@@ -11202,7 +11229,7 @@
       </p:sp>
       <p:sp>
         <p:nvSpPr>
-          <p:cNvPr id="216" name="Google Shape;216;p27"/>
+          <p:cNvPr id="217" name="Google Shape;217;p27"/>
           <p:cNvSpPr txBox="1"/>
           <p:nvPr/>
         </p:nvSpPr>
@@ -11265,7 +11292,7 @@
   <p:cSld>
     <p:spTree>
       <p:nvGrpSpPr>
-        <p:cNvPr id="220" name="Shape 220"/>
+        <p:cNvPr id="221" name="Shape 221"/>
         <p:cNvGrpSpPr/>
         <p:nvPr/>
       </p:nvGrpSpPr>
@@ -11279,7 +11306,7 @@
       </p:grpSpPr>
       <p:pic>
         <p:nvPicPr>
-          <p:cNvPr id="221" name="Google Shape;221;p28"/>
+          <p:cNvPr id="222" name="Google Shape;222;p28"/>
           <p:cNvPicPr preferRelativeResize="0"/>
           <p:nvPr/>
         </p:nvPicPr>
@@ -11307,7 +11334,7 @@
       </p:pic>
       <p:sp>
         <p:nvSpPr>
-          <p:cNvPr id="222" name="Google Shape;222;p28"/>
+          <p:cNvPr id="223" name="Google Shape;223;p28"/>
           <p:cNvSpPr txBox="1"/>
           <p:nvPr/>
         </p:nvSpPr>
@@ -11359,7 +11386,7 @@
       </p:sp>
       <p:sp>
         <p:nvSpPr>
-          <p:cNvPr id="223" name="Google Shape;223;p28"/>
+          <p:cNvPr id="224" name="Google Shape;224;p28"/>
           <p:cNvSpPr txBox="1"/>
           <p:nvPr/>
         </p:nvSpPr>
@@ -11411,7 +11438,7 @@
       </p:sp>
       <p:sp>
         <p:nvSpPr>
-          <p:cNvPr id="224" name="Google Shape;224;p28"/>
+          <p:cNvPr id="225" name="Google Shape;225;p28"/>
           <p:cNvSpPr txBox="1"/>
           <p:nvPr/>
         </p:nvSpPr>
@@ -11463,7 +11490,7 @@
       </p:sp>
       <p:sp>
         <p:nvSpPr>
-          <p:cNvPr id="225" name="Google Shape;225;p28"/>
+          <p:cNvPr id="226" name="Google Shape;226;p28"/>
           <p:cNvSpPr txBox="1"/>
           <p:nvPr/>
         </p:nvSpPr>
@@ -11524,7 +11551,7 @@
       </p:sp>
       <p:pic>
         <p:nvPicPr>
-          <p:cNvPr id="226" name="Google Shape;226;p28"/>
+          <p:cNvPr id="227" name="Google Shape;227;p28"/>
           <p:cNvPicPr preferRelativeResize="0"/>
           <p:nvPr/>
         </p:nvPicPr>
@@ -11563,7 +11590,7 @@
   <p:cSld>
     <p:spTree>
       <p:nvGrpSpPr>
-        <p:cNvPr id="230" name="Shape 230"/>
+        <p:cNvPr id="231" name="Shape 231"/>
         <p:cNvGrpSpPr/>
         <p:nvPr/>
       </p:nvGrpSpPr>
@@ -11577,7 +11604,7 @@
       </p:grpSpPr>
       <p:pic>
         <p:nvPicPr>
-          <p:cNvPr id="231" name="Google Shape;231;p29"/>
+          <p:cNvPr id="232" name="Google Shape;232;p29"/>
           <p:cNvPicPr preferRelativeResize="0"/>
           <p:nvPr/>
         </p:nvPicPr>
@@ -11605,7 +11632,7 @@
       </p:pic>
       <p:sp>
         <p:nvSpPr>
-          <p:cNvPr id="232" name="Google Shape;232;p29"/>
+          <p:cNvPr id="233" name="Google Shape;233;p29"/>
           <p:cNvSpPr txBox="1"/>
           <p:nvPr/>
         </p:nvSpPr>
@@ -11657,7 +11684,7 @@
       </p:sp>
       <p:sp>
         <p:nvSpPr>
-          <p:cNvPr id="233" name="Google Shape;233;p29"/>
+          <p:cNvPr id="234" name="Google Shape;234;p29"/>
           <p:cNvSpPr txBox="1"/>
           <p:nvPr/>
         </p:nvSpPr>
@@ -11709,7 +11736,7 @@
       </p:sp>
       <p:sp>
         <p:nvSpPr>
-          <p:cNvPr id="234" name="Google Shape;234;p29"/>
+          <p:cNvPr id="235" name="Google Shape;235;p29"/>
           <p:cNvSpPr txBox="1"/>
           <p:nvPr/>
         </p:nvSpPr>
@@ -11761,7 +11788,7 @@
       </p:sp>
       <p:pic>
         <p:nvPicPr>
-          <p:cNvPr id="235" name="Google Shape;235;p29"/>
+          <p:cNvPr id="236" name="Google Shape;236;p29"/>
           <p:cNvPicPr preferRelativeResize="0"/>
           <p:nvPr/>
         </p:nvPicPr>
@@ -11800,7 +11827,7 @@
   <p:cSld>
     <p:spTree>
       <p:nvGrpSpPr>
-        <p:cNvPr id="239" name="Shape 239"/>
+        <p:cNvPr id="240" name="Shape 240"/>
         <p:cNvGrpSpPr/>
         <p:nvPr/>
       </p:nvGrpSpPr>
@@ -11814,7 +11841,7 @@
       </p:grpSpPr>
       <p:sp>
         <p:nvSpPr>
-          <p:cNvPr id="240" name="Google Shape;240;p30"/>
+          <p:cNvPr id="241" name="Google Shape;241;p30"/>
           <p:cNvSpPr txBox="1"/>
           <p:nvPr>
             <p:ph type="title"/>
@@ -11854,7 +11881,7 @@
       </p:sp>
       <p:sp>
         <p:nvSpPr>
-          <p:cNvPr id="241" name="Google Shape;241;p30"/>
+          <p:cNvPr id="242" name="Google Shape;242;p30"/>
           <p:cNvSpPr txBox="1"/>
           <p:nvPr>
             <p:ph idx="1" type="body"/>
@@ -11990,7 +12017,7 @@
   <p:cSld>
     <p:spTree>
       <p:nvGrpSpPr>
-        <p:cNvPr id="245" name="Shape 245"/>
+        <p:cNvPr id="246" name="Shape 246"/>
         <p:cNvGrpSpPr/>
         <p:nvPr/>
       </p:nvGrpSpPr>
@@ -12004,7 +12031,7 @@
       </p:grpSpPr>
       <p:sp>
         <p:nvSpPr>
-          <p:cNvPr id="246" name="Google Shape;246;p31"/>
+          <p:cNvPr id="247" name="Google Shape;247;p31"/>
           <p:cNvSpPr txBox="1"/>
           <p:nvPr>
             <p:ph type="title"/>
@@ -12044,7 +12071,7 @@
       </p:sp>
       <p:sp>
         <p:nvSpPr>
-          <p:cNvPr id="247" name="Google Shape;247;p31"/>
+          <p:cNvPr id="248" name="Google Shape;248;p31"/>
           <p:cNvSpPr txBox="1"/>
           <p:nvPr>
             <p:ph idx="1" type="body"/>
@@ -12388,7 +12415,7 @@
   <p:cSld>
     <p:spTree>
       <p:nvGrpSpPr>
-        <p:cNvPr id="251" name="Shape 251"/>
+        <p:cNvPr id="252" name="Shape 252"/>
         <p:cNvGrpSpPr/>
         <p:nvPr/>
       </p:nvGrpSpPr>
@@ -12402,7 +12429,7 @@
       </p:grpSpPr>
       <p:sp>
         <p:nvSpPr>
-          <p:cNvPr id="252" name="Google Shape;252;p32"/>
+          <p:cNvPr id="253" name="Google Shape;253;p32"/>
           <p:cNvSpPr txBox="1"/>
           <p:nvPr>
             <p:ph type="title"/>
@@ -13852,6 +13879,285 @@
 </file>
 
 <file path=ppt/theme/theme1.xml><?xml version="1.0" encoding="utf-8"?>
+<a:theme xmlns:a="http://schemas.openxmlformats.org/drawingml/2006/main" xmlns:r="http://schemas.openxmlformats.org/officeDocument/2006/relationships">
+  <a:themeElements>
+    <a:clrScheme name="Default">
+      <a:dk1>
+        <a:srgbClr val="000000"/>
+      </a:dk1>
+      <a:lt1>
+        <a:srgbClr val="FFFFFF"/>
+      </a:lt1>
+      <a:dk2>
+        <a:srgbClr val="158158"/>
+      </a:dk2>
+      <a:lt2>
+        <a:srgbClr val="F3F3F3"/>
+      </a:lt2>
+      <a:accent1>
+        <a:srgbClr val="058DC7"/>
+      </a:accent1>
+      <a:accent2>
+        <a:srgbClr val="50B432"/>
+      </a:accent2>
+      <a:accent3>
+        <a:srgbClr val="ED561B"/>
+      </a:accent3>
+      <a:accent4>
+        <a:srgbClr val="EDEF00"/>
+      </a:accent4>
+      <a:accent5>
+        <a:srgbClr val="24CBE5"/>
+      </a:accent5>
+      <a:accent6>
+        <a:srgbClr val="64E572"/>
+      </a:accent6>
+      <a:hlink>
+        <a:srgbClr val="2200CC"/>
+      </a:hlink>
+      <a:folHlink>
+        <a:srgbClr val="551A8B"/>
+      </a:folHlink>
+    </a:clrScheme>
+    <a:fontScheme name="Office">
+      <a:majorFont>
+        <a:latin typeface="Arial"/>
+        <a:ea typeface=""/>
+        <a:cs typeface=""/>
+        <a:font script="Jpan" typeface="ＭＳ Ｐゴシック"/>
+        <a:font script="Hang" typeface="맑은 고딕"/>
+        <a:font script="Hans" typeface="宋体"/>
+        <a:font script="Hant" typeface="新細明體"/>
+        <a:font script="Arab" typeface="Times New Roman"/>
+        <a:font script="Hebr" typeface="Times New Roman"/>
+        <a:font script="Thai" typeface="Angsana New"/>
+        <a:font script="Ethi" typeface="Nyala"/>
+        <a:font script="Beng" typeface="Vrinda"/>
+        <a:font script="Gujr" typeface="Shruti"/>
+        <a:font script="Khmr" typeface="MoolBoran"/>
+        <a:font script="Knda" typeface="Tunga"/>
+        <a:font script="Guru" typeface="Raavi"/>
+        <a:font script="Cans" typeface="Euphemia"/>
+        <a:font script="Cher" typeface="Plantagenet Cherokee"/>
+        <a:font script="Yiii" typeface="Microsoft Yi Baiti"/>
+        <a:font script="Tibt" typeface="Microsoft Himalaya"/>
+        <a:font script="Thaa" typeface="MV Boli"/>
+        <a:font script="Deva" typeface="Mangal"/>
+        <a:font script="Telu" typeface="Gautami"/>
+        <a:font script="Taml" typeface="Latha"/>
+        <a:font script="Syrc" typeface="Estrangelo Edessa"/>
+        <a:font script="Orya" typeface="Kalinga"/>
+        <a:font script="Mlym" typeface="Kartika"/>
+        <a:font script="Laoo" typeface="DokChampa"/>
+        <a:font script="Sinh" typeface="Iskoola Pota"/>
+        <a:font script="Mong" typeface="Mongolian Baiti"/>
+        <a:font script="Viet" typeface="Times New Roman"/>
+        <a:font script="Uigh" typeface="Microsoft Uighur"/>
+        <a:font script="Geor" typeface="Sylfaen"/>
+      </a:majorFont>
+      <a:minorFont>
+        <a:latin typeface="Arial"/>
+        <a:ea typeface=""/>
+        <a:cs typeface=""/>
+        <a:font script="Jpan" typeface="ＭＳ Ｐゴシック"/>
+        <a:font script="Hang" typeface="맑은 고딕"/>
+        <a:font script="Hans" typeface="宋体"/>
+        <a:font script="Hant" typeface="新細明體"/>
+        <a:font script="Arab" typeface="Arial"/>
+        <a:font script="Hebr" typeface="Arial"/>
+        <a:font script="Thai" typeface="Cordia New"/>
+        <a:font script="Ethi" typeface="Nyala"/>
+        <a:font script="Beng" typeface="Vrinda"/>
+        <a:font script="Gujr" typeface="Shruti"/>
+        <a:font script="Khmr" typeface="DaunPenh"/>
+        <a:font script="Knda" typeface="Tunga"/>
+        <a:font script="Guru" typeface="Raavi"/>
+        <a:font script="Cans" typeface="Euphemia"/>
+        <a:font script="Cher" typeface="Plantagenet Cherokee"/>
+        <a:font script="Yiii" typeface="Microsoft Yi Baiti"/>
+        <a:font script="Tibt" typeface="Microsoft Himalaya"/>
+        <a:font script="Thaa" typeface="MV Boli"/>
+        <a:font script="Deva" typeface="Mangal"/>
+        <a:font script="Telu" typeface="Gautami"/>
+        <a:font script="Taml" typeface="Latha"/>
+        <a:font script="Syrc" typeface="Estrangelo Edessa"/>
+        <a:font script="Orya" typeface="Kalinga"/>
+        <a:font script="Mlym" typeface="Kartika"/>
+        <a:font script="Laoo" typeface="DokChampa"/>
+        <a:font script="Sinh" typeface="Iskoola Pota"/>
+        <a:font script="Mong" typeface="Mongolian Baiti"/>
+        <a:font script="Viet" typeface="Arial"/>
+        <a:font script="Uigh" typeface="Microsoft Uighur"/>
+        <a:font script="Geor" typeface="Sylfaen"/>
+      </a:minorFont>
+    </a:fontScheme>
+    <a:fmtScheme name="Office">
+      <a:fillStyleLst>
+        <a:solidFill>
+          <a:schemeClr val="phClr"/>
+        </a:solidFill>
+        <a:gradFill rotWithShape="1">
+          <a:gsLst>
+            <a:gs pos="0">
+              <a:schemeClr val="phClr">
+                <a:tint val="50000"/>
+                <a:satMod val="300000"/>
+              </a:schemeClr>
+            </a:gs>
+            <a:gs pos="35000">
+              <a:schemeClr val="phClr">
+                <a:tint val="37000"/>
+                <a:satMod val="300000"/>
+              </a:schemeClr>
+            </a:gs>
+            <a:gs pos="100000">
+              <a:schemeClr val="phClr">
+                <a:tint val="15000"/>
+                <a:satMod val="350000"/>
+              </a:schemeClr>
+            </a:gs>
+          </a:gsLst>
+          <a:lin ang="16200000" scaled="1"/>
+        </a:gradFill>
+        <a:gradFill rotWithShape="1">
+          <a:gsLst>
+            <a:gs pos="0">
+              <a:schemeClr val="phClr">
+                <a:tint val="100000"/>
+                <a:shade val="100000"/>
+                <a:satMod val="130000"/>
+              </a:schemeClr>
+            </a:gs>
+            <a:gs pos="100000">
+              <a:schemeClr val="phClr">
+                <a:tint val="50000"/>
+                <a:shade val="100000"/>
+                <a:satMod val="350000"/>
+              </a:schemeClr>
+            </a:gs>
+          </a:gsLst>
+          <a:lin ang="16200000" scaled="0"/>
+        </a:gradFill>
+      </a:fillStyleLst>
+      <a:lnStyleLst>
+        <a:ln w="9525" cap="flat" cmpd="sng" algn="ctr">
+          <a:solidFill>
+            <a:schemeClr val="phClr">
+              <a:shade val="95000"/>
+              <a:satMod val="105000"/>
+            </a:schemeClr>
+          </a:solidFill>
+          <a:prstDash val="solid"/>
+        </a:ln>
+        <a:ln w="25400" cap="flat" cmpd="sng" algn="ctr">
+          <a:solidFill>
+            <a:schemeClr val="phClr"/>
+          </a:solidFill>
+          <a:prstDash val="solid"/>
+        </a:ln>
+        <a:ln w="38100" cap="flat" cmpd="sng" algn="ctr">
+          <a:solidFill>
+            <a:schemeClr val="phClr"/>
+          </a:solidFill>
+          <a:prstDash val="solid"/>
+        </a:ln>
+      </a:lnStyleLst>
+      <a:effectStyleLst>
+        <a:effectStyle>
+          <a:effectLst>
+            <a:outerShdw blurRad="40000" dist="20000" dir="5400000" rotWithShape="0">
+              <a:srgbClr val="000000">
+                <a:alpha val="38000"/>
+              </a:srgbClr>
+            </a:outerShdw>
+          </a:effectLst>
+        </a:effectStyle>
+        <a:effectStyle>
+          <a:effectLst>
+            <a:outerShdw blurRad="40000" dist="23000" dir="5400000" rotWithShape="0">
+              <a:srgbClr val="000000">
+                <a:alpha val="35000"/>
+              </a:srgbClr>
+            </a:outerShdw>
+          </a:effectLst>
+        </a:effectStyle>
+        <a:effectStyle>
+          <a:effectLst>
+            <a:outerShdw blurRad="40000" dist="23000" dir="5400000" rotWithShape="0">
+              <a:srgbClr val="000000">
+                <a:alpha val="35000"/>
+              </a:srgbClr>
+            </a:outerShdw>
+          </a:effectLst>
+          <a:scene3d>
+            <a:camera prst="orthographicFront">
+              <a:rot lat="0" lon="0" rev="0"/>
+            </a:camera>
+            <a:lightRig rig="threePt" dir="t">
+              <a:rot lat="0" lon="0" rev="1200000"/>
+            </a:lightRig>
+          </a:scene3d>
+          <a:sp3d>
+            <a:bevelT w="63500" h="25400"/>
+          </a:sp3d>
+        </a:effectStyle>
+      </a:effectStyleLst>
+      <a:bgFillStyleLst>
+        <a:solidFill>
+          <a:schemeClr val="phClr"/>
+        </a:solidFill>
+        <a:gradFill rotWithShape="1">
+          <a:gsLst>
+            <a:gs pos="0">
+              <a:schemeClr val="phClr">
+                <a:tint val="40000"/>
+                <a:satMod val="350000"/>
+              </a:schemeClr>
+            </a:gs>
+            <a:gs pos="40000">
+              <a:schemeClr val="phClr">
+                <a:tint val="45000"/>
+                <a:shade val="99000"/>
+                <a:satMod val="350000"/>
+              </a:schemeClr>
+            </a:gs>
+            <a:gs pos="100000">
+              <a:schemeClr val="phClr">
+                <a:shade val="20000"/>
+                <a:satMod val="255000"/>
+              </a:schemeClr>
+            </a:gs>
+          </a:gsLst>
+          <a:path path="circle">
+            <a:fillToRect l="50000" t="-80000" r="50000" b="180000"/>
+          </a:path>
+        </a:gradFill>
+        <a:gradFill rotWithShape="1">
+          <a:gsLst>
+            <a:gs pos="0">
+              <a:schemeClr val="phClr">
+                <a:tint val="80000"/>
+                <a:satMod val="300000"/>
+              </a:schemeClr>
+            </a:gs>
+            <a:gs pos="100000">
+              <a:schemeClr val="phClr">
+                <a:shade val="30000"/>
+                <a:satMod val="200000"/>
+              </a:schemeClr>
+            </a:gs>
+          </a:gsLst>
+          <a:path path="circle">
+            <a:fillToRect l="50000" t="50000" r="50000" b="50000"/>
+          </a:path>
+        </a:gradFill>
+      </a:bgFillStyleLst>
+    </a:fmtScheme>
+  </a:themeElements>
+</a:theme>
+</file>
+
+<file path=ppt/theme/theme2.xml><?xml version="1.0" encoding="utf-8"?>
 <a:theme xmlns:a="http://schemas.openxmlformats.org/drawingml/2006/main" xmlns:r="http://schemas.openxmlformats.org/officeDocument/2006/relationships" name="Geometric">
   <a:themeElements>
     <a:clrScheme name="Geometric">
@@ -14128,283 +14434,4 @@
     </a:fmtScheme>
   </a:themeElements>
 </a:theme>
-</file>
-
-<file path=ppt/theme/theme2.xml><?xml version="1.0" encoding="utf-8"?>
-<a:theme xmlns:a="http://schemas.openxmlformats.org/drawingml/2006/main" xmlns:r="http://schemas.openxmlformats.org/officeDocument/2006/relationships">
-  <a:themeElements>
-    <a:clrScheme name="Default">
-      <a:dk1>
-        <a:srgbClr val="000000"/>
-      </a:dk1>
-      <a:lt1>
-        <a:srgbClr val="FFFFFF"/>
-      </a:lt1>
-      <a:dk2>
-        <a:srgbClr val="158158"/>
-      </a:dk2>
-      <a:lt2>
-        <a:srgbClr val="F3F3F3"/>
-      </a:lt2>
-      <a:accent1>
-        <a:srgbClr val="058DC7"/>
-      </a:accent1>
-      <a:accent2>
-        <a:srgbClr val="50B432"/>
-      </a:accent2>
-      <a:accent3>
-        <a:srgbClr val="ED561B"/>
-      </a:accent3>
-      <a:accent4>
-        <a:srgbClr val="EDEF00"/>
-      </a:accent4>
-      <a:accent5>
-        <a:srgbClr val="24CBE5"/>
-      </a:accent5>
-      <a:accent6>
-        <a:srgbClr val="64E572"/>
-      </a:accent6>
-      <a:hlink>
-        <a:srgbClr val="2200CC"/>
-      </a:hlink>
-      <a:folHlink>
-        <a:srgbClr val="551A8B"/>
-      </a:folHlink>
-    </a:clrScheme>
-    <a:fontScheme name="Office">
-      <a:majorFont>
-        <a:latin typeface="Arial"/>
-        <a:ea typeface=""/>
-        <a:cs typeface=""/>
-        <a:font script="Jpan" typeface="ＭＳ Ｐゴシック"/>
-        <a:font script="Hang" typeface="맑은 고딕"/>
-        <a:font script="Hans" typeface="宋体"/>
-        <a:font script="Hant" typeface="新細明體"/>
-        <a:font script="Arab" typeface="Times New Roman"/>
-        <a:font script="Hebr" typeface="Times New Roman"/>
-        <a:font script="Thai" typeface="Angsana New"/>
-        <a:font script="Ethi" typeface="Nyala"/>
-        <a:font script="Beng" typeface="Vrinda"/>
-        <a:font script="Gujr" typeface="Shruti"/>
-        <a:font script="Khmr" typeface="MoolBoran"/>
-        <a:font script="Knda" typeface="Tunga"/>
-        <a:font script="Guru" typeface="Raavi"/>
-        <a:font script="Cans" typeface="Euphemia"/>
-        <a:font script="Cher" typeface="Plantagenet Cherokee"/>
-        <a:font script="Yiii" typeface="Microsoft Yi Baiti"/>
-        <a:font script="Tibt" typeface="Microsoft Himalaya"/>
-        <a:font script="Thaa" typeface="MV Boli"/>
-        <a:font script="Deva" typeface="Mangal"/>
-        <a:font script="Telu" typeface="Gautami"/>
-        <a:font script="Taml" typeface="Latha"/>
-        <a:font script="Syrc" typeface="Estrangelo Edessa"/>
-        <a:font script="Orya" typeface="Kalinga"/>
-        <a:font script="Mlym" typeface="Kartika"/>
-        <a:font script="Laoo" typeface="DokChampa"/>
-        <a:font script="Sinh" typeface="Iskoola Pota"/>
-        <a:font script="Mong" typeface="Mongolian Baiti"/>
-        <a:font script="Viet" typeface="Times New Roman"/>
-        <a:font script="Uigh" typeface="Microsoft Uighur"/>
-        <a:font script="Geor" typeface="Sylfaen"/>
-      </a:majorFont>
-      <a:minorFont>
-        <a:latin typeface="Arial"/>
-        <a:ea typeface=""/>
-        <a:cs typeface=""/>
-        <a:font script="Jpan" typeface="ＭＳ Ｐゴシック"/>
-        <a:font script="Hang" typeface="맑은 고딕"/>
-        <a:font script="Hans" typeface="宋体"/>
-        <a:font script="Hant" typeface="新細明體"/>
-        <a:font script="Arab" typeface="Arial"/>
-        <a:font script="Hebr" typeface="Arial"/>
-        <a:font script="Thai" typeface="Cordia New"/>
-        <a:font script="Ethi" typeface="Nyala"/>
-        <a:font script="Beng" typeface="Vrinda"/>
-        <a:font script="Gujr" typeface="Shruti"/>
-        <a:font script="Khmr" typeface="DaunPenh"/>
-        <a:font script="Knda" typeface="Tunga"/>
-        <a:font script="Guru" typeface="Raavi"/>
-        <a:font script="Cans" typeface="Euphemia"/>
-        <a:font script="Cher" typeface="Plantagenet Cherokee"/>
-        <a:font script="Yiii" typeface="Microsoft Yi Baiti"/>
-        <a:font script="Tibt" typeface="Microsoft Himalaya"/>
-        <a:font script="Thaa" typeface="MV Boli"/>
-        <a:font script="Deva" typeface="Mangal"/>
-        <a:font script="Telu" typeface="Gautami"/>
-        <a:font script="Taml" typeface="Latha"/>
-        <a:font script="Syrc" typeface="Estrangelo Edessa"/>
-        <a:font script="Orya" typeface="Kalinga"/>
-        <a:font script="Mlym" typeface="Kartika"/>
-        <a:font script="Laoo" typeface="DokChampa"/>
-        <a:font script="Sinh" typeface="Iskoola Pota"/>
-        <a:font script="Mong" typeface="Mongolian Baiti"/>
-        <a:font script="Viet" typeface="Arial"/>
-        <a:font script="Uigh" typeface="Microsoft Uighur"/>
-        <a:font script="Geor" typeface="Sylfaen"/>
-      </a:minorFont>
-    </a:fontScheme>
-    <a:fmtScheme name="Office">
-      <a:fillStyleLst>
-        <a:solidFill>
-          <a:schemeClr val="phClr"/>
-        </a:solidFill>
-        <a:gradFill rotWithShape="1">
-          <a:gsLst>
-            <a:gs pos="0">
-              <a:schemeClr val="phClr">
-                <a:tint val="50000"/>
-                <a:satMod val="300000"/>
-              </a:schemeClr>
-            </a:gs>
-            <a:gs pos="35000">
-              <a:schemeClr val="phClr">
-                <a:tint val="37000"/>
-                <a:satMod val="300000"/>
-              </a:schemeClr>
-            </a:gs>
-            <a:gs pos="100000">
-              <a:schemeClr val="phClr">
-                <a:tint val="15000"/>
-                <a:satMod val="350000"/>
-              </a:schemeClr>
-            </a:gs>
-          </a:gsLst>
-          <a:lin ang="16200000" scaled="1"/>
-        </a:gradFill>
-        <a:gradFill rotWithShape="1">
-          <a:gsLst>
-            <a:gs pos="0">
-              <a:schemeClr val="phClr">
-                <a:tint val="100000"/>
-                <a:shade val="100000"/>
-                <a:satMod val="130000"/>
-              </a:schemeClr>
-            </a:gs>
-            <a:gs pos="100000">
-              <a:schemeClr val="phClr">
-                <a:tint val="50000"/>
-                <a:shade val="100000"/>
-                <a:satMod val="350000"/>
-              </a:schemeClr>
-            </a:gs>
-          </a:gsLst>
-          <a:lin ang="16200000" scaled="0"/>
-        </a:gradFill>
-      </a:fillStyleLst>
-      <a:lnStyleLst>
-        <a:ln w="9525" cap="flat" cmpd="sng" algn="ctr">
-          <a:solidFill>
-            <a:schemeClr val="phClr">
-              <a:shade val="95000"/>
-              <a:satMod val="105000"/>
-            </a:schemeClr>
-          </a:solidFill>
-          <a:prstDash val="solid"/>
-        </a:ln>
-        <a:ln w="25400" cap="flat" cmpd="sng" algn="ctr">
-          <a:solidFill>
-            <a:schemeClr val="phClr"/>
-          </a:solidFill>
-          <a:prstDash val="solid"/>
-        </a:ln>
-        <a:ln w="38100" cap="flat" cmpd="sng" algn="ctr">
-          <a:solidFill>
-            <a:schemeClr val="phClr"/>
-          </a:solidFill>
-          <a:prstDash val="solid"/>
-        </a:ln>
-      </a:lnStyleLst>
-      <a:effectStyleLst>
-        <a:effectStyle>
-          <a:effectLst>
-            <a:outerShdw blurRad="40000" dist="20000" dir="5400000" rotWithShape="0">
-              <a:srgbClr val="000000">
-                <a:alpha val="38000"/>
-              </a:srgbClr>
-            </a:outerShdw>
-          </a:effectLst>
-        </a:effectStyle>
-        <a:effectStyle>
-          <a:effectLst>
-            <a:outerShdw blurRad="40000" dist="23000" dir="5400000" rotWithShape="0">
-              <a:srgbClr val="000000">
-                <a:alpha val="35000"/>
-              </a:srgbClr>
-            </a:outerShdw>
-          </a:effectLst>
-        </a:effectStyle>
-        <a:effectStyle>
-          <a:effectLst>
-            <a:outerShdw blurRad="40000" dist="23000" dir="5400000" rotWithShape="0">
-              <a:srgbClr val="000000">
-                <a:alpha val="35000"/>
-              </a:srgbClr>
-            </a:outerShdw>
-          </a:effectLst>
-          <a:scene3d>
-            <a:camera prst="orthographicFront">
-              <a:rot lat="0" lon="0" rev="0"/>
-            </a:camera>
-            <a:lightRig rig="threePt" dir="t">
-              <a:rot lat="0" lon="0" rev="1200000"/>
-            </a:lightRig>
-          </a:scene3d>
-          <a:sp3d>
-            <a:bevelT w="63500" h="25400"/>
-          </a:sp3d>
-        </a:effectStyle>
-      </a:effectStyleLst>
-      <a:bgFillStyleLst>
-        <a:solidFill>
-          <a:schemeClr val="phClr"/>
-        </a:solidFill>
-        <a:gradFill rotWithShape="1">
-          <a:gsLst>
-            <a:gs pos="0">
-              <a:schemeClr val="phClr">
-                <a:tint val="40000"/>
-                <a:satMod val="350000"/>
-              </a:schemeClr>
-            </a:gs>
-            <a:gs pos="40000">
-              <a:schemeClr val="phClr">
-                <a:tint val="45000"/>
-                <a:shade val="99000"/>
-                <a:satMod val="350000"/>
-              </a:schemeClr>
-            </a:gs>
-            <a:gs pos="100000">
-              <a:schemeClr val="phClr">
-                <a:shade val="20000"/>
-                <a:satMod val="255000"/>
-              </a:schemeClr>
-            </a:gs>
-          </a:gsLst>
-          <a:path path="circle">
-            <a:fillToRect l="50000" t="-80000" r="50000" b="180000"/>
-          </a:path>
-        </a:gradFill>
-        <a:gradFill rotWithShape="1">
-          <a:gsLst>
-            <a:gs pos="0">
-              <a:schemeClr val="phClr">
-                <a:tint val="80000"/>
-                <a:satMod val="300000"/>
-              </a:schemeClr>
-            </a:gs>
-            <a:gs pos="100000">
-              <a:schemeClr val="phClr">
-                <a:shade val="30000"/>
-                <a:satMod val="200000"/>
-              </a:schemeClr>
-            </a:gs>
-          </a:gsLst>
-          <a:path path="circle">
-            <a:fillToRect l="50000" t="50000" r="50000" b="50000"/>
-          </a:path>
-        </a:gradFill>
-      </a:bgFillStyleLst>
-    </a:fmtScheme>
-  </a:themeElements>
-</a:theme>
 </file>